--- a/MITM_Jamie_Ben/mitm_jamie_ben.pptx
+++ b/MITM_Jamie_Ben/mitm_jamie_ben.pptx
@@ -264,7 +264,7 @@
         <p:spPr bwMode="auto">
           <a:xfrm>
             <a:off x="1309514" y="1839834"/>
-            <a:ext cx="4011787" cy="1314325"/>
+            <a:ext cx="4011787" cy="1314324"/>
           </a:xfrm>
           <a:custGeom>
             <a:avLst/>
@@ -354,7 +354,7 @@
         </p:nvSpPr>
         <p:spPr bwMode="auto">
           <a:xfrm>
-            <a:off x="6567031" y="4629133"/>
+            <a:off x="6567030" y="4629133"/>
             <a:ext cx="5395523" cy="2231707"/>
           </a:xfrm>
           <a:custGeom>
@@ -599,7 +599,7 @@
         <p:spPr bwMode="auto">
           <a:xfrm>
             <a:off x="4655839" y="2708919"/>
-            <a:ext cx="6720746" cy="720079"/>
+            <a:ext cx="6720745" cy="720079"/>
           </a:xfrm>
         </p:spPr>
         <p:txBody>
@@ -796,7 +796,7 @@
         <p:spPr bwMode="auto">
           <a:xfrm>
             <a:off x="4595833" y="1808820"/>
-            <a:ext cx="6720746" cy="720079"/>
+            <a:ext cx="6720745" cy="720079"/>
           </a:xfrm>
         </p:spPr>
         <p:txBody>
@@ -3437,7 +3437,7 @@
         </p:nvSpPr>
         <p:spPr bwMode="auto">
           <a:xfrm>
-            <a:off x="1637457" y="1"/>
+            <a:off x="1637456" y="1"/>
             <a:ext cx="3839633" cy="2609650"/>
           </a:xfrm>
           <a:custGeom>
@@ -3670,7 +3670,7 @@
         <p:spPr bwMode="auto">
           <a:xfrm>
             <a:off x="609599" y="6356351"/>
-            <a:ext cx="2844799" cy="365125"/>
+            <a:ext cx="2844798" cy="365125"/>
           </a:xfrm>
           <a:prstGeom prst="rect">
             <a:avLst/>
@@ -3754,7 +3754,7 @@
         <p:spPr bwMode="auto">
           <a:xfrm>
             <a:off x="8737599" y="6356351"/>
-            <a:ext cx="2844799" cy="365125"/>
+            <a:ext cx="2844798" cy="365125"/>
           </a:xfrm>
           <a:prstGeom prst="rect">
             <a:avLst/>
@@ -4918,7 +4918,27 @@
               <a:rPr i="1"/>
               <a:t>https://github.com/jamieahelmke/berufsschulvorträge</a:t>
             </a:r>
-            <a:endParaRPr/>
+            <a:endParaRPr i="1"/>
+          </a:p>
+          <a:p>
+            <a:pPr>
+              <a:defRPr/>
+            </a:pPr>
+            <a:endParaRPr/>
+          </a:p>
+          <a:p>
+            <a:pPr>
+              <a:defRPr/>
+            </a:pPr>
+            <a:r>
+              <a:rPr i="1"/>
+              <a:t>Made with </a:t>
+            </a:r>
+            <a:r>
+              <a:rPr b="1" i="1"/>
+              <a:t>Open Source Software (OnlyOffice Desktop Edition)</a:t>
+            </a:r>
+            <a:endParaRPr b="1"/>
           </a:p>
         </p:txBody>
       </p:sp>

--- a/MITM_Jamie_Ben/mitm_jamie_ben.pptx
+++ b/MITM_Jamie_Ben/mitm_jamie_ben.pptx
@@ -4603,7 +4603,7 @@
             </a:pPr>
             <a:r>
               <a:rPr/>
-              <a:t>2FA! (Allgemein wichtig) </a:t>
+              <a:t>MFA! (Allgemein wichtig) </a:t>
             </a:r>
             <a:endParaRPr/>
           </a:p>
